--- a/Figures.pptx
+++ b/Figures.pptx
@@ -265,7 +265,7 @@
           <a:p>
             <a:fld id="{7D503FFD-2CC6-A547-9403-85874C322CB9}" type="datetimeFigureOut">
               <a:rPr lang="en-US" smtClean="0"/>
-              <a:t>5/21/18</a:t>
+              <a:t>10/15/18</a:t>
             </a:fld>
             <a:endParaRPr lang="en-US"/>
           </a:p>
@@ -463,7 +463,7 @@
           <a:p>
             <a:fld id="{7D503FFD-2CC6-A547-9403-85874C322CB9}" type="datetimeFigureOut">
               <a:rPr lang="en-US" smtClean="0"/>
-              <a:t>5/21/18</a:t>
+              <a:t>10/15/18</a:t>
             </a:fld>
             <a:endParaRPr lang="en-US"/>
           </a:p>
@@ -671,7 +671,7 @@
           <a:p>
             <a:fld id="{7D503FFD-2CC6-A547-9403-85874C322CB9}" type="datetimeFigureOut">
               <a:rPr lang="en-US" smtClean="0"/>
-              <a:t>5/21/18</a:t>
+              <a:t>10/15/18</a:t>
             </a:fld>
             <a:endParaRPr lang="en-US"/>
           </a:p>
@@ -869,7 +869,7 @@
           <a:p>
             <a:fld id="{7D503FFD-2CC6-A547-9403-85874C322CB9}" type="datetimeFigureOut">
               <a:rPr lang="en-US" smtClean="0"/>
-              <a:t>5/21/18</a:t>
+              <a:t>10/15/18</a:t>
             </a:fld>
             <a:endParaRPr lang="en-US"/>
           </a:p>
@@ -1144,7 +1144,7 @@
           <a:p>
             <a:fld id="{7D503FFD-2CC6-A547-9403-85874C322CB9}" type="datetimeFigureOut">
               <a:rPr lang="en-US" smtClean="0"/>
-              <a:t>5/21/18</a:t>
+              <a:t>10/15/18</a:t>
             </a:fld>
             <a:endParaRPr lang="en-US"/>
           </a:p>
@@ -1409,7 +1409,7 @@
           <a:p>
             <a:fld id="{7D503FFD-2CC6-A547-9403-85874C322CB9}" type="datetimeFigureOut">
               <a:rPr lang="en-US" smtClean="0"/>
-              <a:t>5/21/18</a:t>
+              <a:t>10/15/18</a:t>
             </a:fld>
             <a:endParaRPr lang="en-US"/>
           </a:p>
@@ -1821,7 +1821,7 @@
           <a:p>
             <a:fld id="{7D503FFD-2CC6-A547-9403-85874C322CB9}" type="datetimeFigureOut">
               <a:rPr lang="en-US" smtClean="0"/>
-              <a:t>5/21/18</a:t>
+              <a:t>10/15/18</a:t>
             </a:fld>
             <a:endParaRPr lang="en-US"/>
           </a:p>
@@ -1962,7 +1962,7 @@
           <a:p>
             <a:fld id="{7D503FFD-2CC6-A547-9403-85874C322CB9}" type="datetimeFigureOut">
               <a:rPr lang="en-US" smtClean="0"/>
-              <a:t>5/21/18</a:t>
+              <a:t>10/15/18</a:t>
             </a:fld>
             <a:endParaRPr lang="en-US"/>
           </a:p>
@@ -2075,7 +2075,7 @@
           <a:p>
             <a:fld id="{7D503FFD-2CC6-A547-9403-85874C322CB9}" type="datetimeFigureOut">
               <a:rPr lang="en-US" smtClean="0"/>
-              <a:t>5/21/18</a:t>
+              <a:t>10/15/18</a:t>
             </a:fld>
             <a:endParaRPr lang="en-US"/>
           </a:p>
@@ -2386,7 +2386,7 @@
           <a:p>
             <a:fld id="{7D503FFD-2CC6-A547-9403-85874C322CB9}" type="datetimeFigureOut">
               <a:rPr lang="en-US" smtClean="0"/>
-              <a:t>5/21/18</a:t>
+              <a:t>10/15/18</a:t>
             </a:fld>
             <a:endParaRPr lang="en-US"/>
           </a:p>
@@ -2674,7 +2674,7 @@
           <a:p>
             <a:fld id="{7D503FFD-2CC6-A547-9403-85874C322CB9}" type="datetimeFigureOut">
               <a:rPr lang="en-US" smtClean="0"/>
-              <a:t>5/21/18</a:t>
+              <a:t>10/15/18</a:t>
             </a:fld>
             <a:endParaRPr lang="en-US"/>
           </a:p>
@@ -2915,7 +2915,7 @@
           <a:p>
             <a:fld id="{7D503FFD-2CC6-A547-9403-85874C322CB9}" type="datetimeFigureOut">
               <a:rPr lang="en-US" smtClean="0"/>
-              <a:t>5/21/18</a:t>
+              <a:t>10/15/18</a:t>
             </a:fld>
             <a:endParaRPr lang="en-US"/>
           </a:p>
@@ -6140,13 +6140,15 @@
               </a:ext>
             </a:extLst>
           </p:cNvPr>
-          <p:cNvCxnSpPr/>
+          <p:cNvCxnSpPr>
+            <a:cxnSpLocks/>
+          </p:cNvCxnSpPr>
           <p:nvPr/>
         </p:nvCxnSpPr>
         <p:spPr>
           <a:xfrm>
-            <a:off x="4346917" y="562708"/>
-            <a:ext cx="970671" cy="0"/>
+            <a:off x="5000015" y="2054156"/>
+            <a:ext cx="470158" cy="0"/>
           </a:xfrm>
           <a:prstGeom prst="line">
             <a:avLst/>
@@ -6178,53 +6180,19 @@
           </p:cNvPr>
           <p:cNvCxnSpPr>
             <a:cxnSpLocks/>
+            <a:endCxn id="29" idx="0"/>
           </p:cNvCxnSpPr>
           <p:nvPr/>
         </p:nvCxnSpPr>
         <p:spPr>
           <a:xfrm>
-            <a:off x="4853354" y="562708"/>
-            <a:ext cx="0" cy="562707"/>
+            <a:off x="5232989" y="2057829"/>
+            <a:ext cx="1983" cy="185837"/>
           </a:xfrm>
           <a:prstGeom prst="line">
             <a:avLst/>
           </a:prstGeom>
-        </p:spPr>
-        <p:style>
-          <a:lnRef idx="1">
-            <a:schemeClr val="dk1"/>
-          </a:lnRef>
-          <a:fillRef idx="0">
-            <a:schemeClr val="dk1"/>
-          </a:fillRef>
-          <a:effectRef idx="0">
-            <a:schemeClr val="dk1"/>
-          </a:effectRef>
-          <a:fontRef idx="minor">
-            <a:schemeClr val="tx1"/>
-          </a:fontRef>
-        </p:style>
-      </p:cxnSp>
-      <p:cxnSp>
-        <p:nvCxnSpPr>
-          <p:cNvPr id="13" name="Straight Connector 12">
-            <a:extLst>
-              <a:ext uri="{FF2B5EF4-FFF2-40B4-BE49-F238E27FC236}">
-                <a16:creationId xmlns:a16="http://schemas.microsoft.com/office/drawing/2014/main" id="{38582903-DEDD-8E40-84B1-EFF0B10D606D}"/>
-              </a:ext>
-            </a:extLst>
-          </p:cNvPr>
-          <p:cNvCxnSpPr/>
-          <p:nvPr/>
-        </p:nvCxnSpPr>
-        <p:spPr>
-          <a:xfrm>
-            <a:off x="4346917" y="1153551"/>
-            <a:ext cx="970671" cy="0"/>
-          </a:xfrm>
-          <a:prstGeom prst="line">
-            <a:avLst/>
-          </a:prstGeom>
+          <a:ln w="9525"/>
         </p:spPr>
         <p:style>
           <a:lnRef idx="1">
@@ -6250,17 +6218,21 @@
               </a:ext>
             </a:extLst>
           </p:cNvPr>
-          <p:cNvCxnSpPr/>
+          <p:cNvCxnSpPr>
+            <a:cxnSpLocks/>
+            <a:stCxn id="58" idx="4"/>
+          </p:cNvCxnSpPr>
           <p:nvPr/>
         </p:nvCxnSpPr>
         <p:spPr>
           <a:xfrm>
-            <a:off x="4853354" y="1125415"/>
-            <a:ext cx="0" cy="562708"/>
+            <a:off x="5232989" y="2521967"/>
+            <a:ext cx="2105" cy="657604"/>
           </a:xfrm>
           <a:prstGeom prst="line">
             <a:avLst/>
           </a:prstGeom>
+          <a:ln w="9525"/>
         </p:spPr>
         <p:style>
           <a:lnRef idx="1">
@@ -6286,17 +6258,20 @@
               </a:ext>
             </a:extLst>
           </p:cNvPr>
-          <p:cNvCxnSpPr/>
+          <p:cNvCxnSpPr>
+            <a:cxnSpLocks/>
+          </p:cNvCxnSpPr>
           <p:nvPr/>
         </p:nvCxnSpPr>
         <p:spPr>
           <a:xfrm>
-            <a:off x="4501662" y="1139483"/>
-            <a:ext cx="0" cy="323557"/>
+            <a:off x="5105075" y="2672057"/>
+            <a:ext cx="0" cy="179079"/>
           </a:xfrm>
           <a:prstGeom prst="line">
             <a:avLst/>
           </a:prstGeom>
+          <a:ln w="9525"/>
         </p:spPr>
         <p:style>
           <a:lnRef idx="1">
@@ -6329,84 +6304,13 @@
         </p:nvCxnSpPr>
         <p:spPr>
           <a:xfrm flipH="1">
-            <a:off x="3210232" y="1475142"/>
+            <a:off x="3813645" y="2851136"/>
             <a:ext cx="1291430" cy="0"/>
           </a:xfrm>
           <a:prstGeom prst="line">
             <a:avLst/>
           </a:prstGeom>
-        </p:spPr>
-        <p:style>
-          <a:lnRef idx="1">
-            <a:schemeClr val="dk1"/>
-          </a:lnRef>
-          <a:fillRef idx="0">
-            <a:schemeClr val="dk1"/>
-          </a:fillRef>
-          <a:effectRef idx="0">
-            <a:schemeClr val="dk1"/>
-          </a:effectRef>
-          <a:fontRef idx="minor">
-            <a:schemeClr val="tx1"/>
-          </a:fontRef>
-        </p:style>
-      </p:cxnSp>
-      <p:cxnSp>
-        <p:nvCxnSpPr>
-          <p:cNvPr id="21" name="Straight Connector 20">
-            <a:extLst>
-              <a:ext uri="{FF2B5EF4-FFF2-40B4-BE49-F238E27FC236}">
-                <a16:creationId xmlns:a16="http://schemas.microsoft.com/office/drawing/2014/main" id="{5DF1CA6F-F808-0948-B2FD-155382147794}"/>
-              </a:ext>
-            </a:extLst>
-          </p:cNvPr>
-          <p:cNvCxnSpPr/>
-          <p:nvPr/>
-        </p:nvCxnSpPr>
-        <p:spPr>
-          <a:xfrm>
-            <a:off x="3696929" y="1153551"/>
-            <a:ext cx="0" cy="675249"/>
-          </a:xfrm>
-          <a:prstGeom prst="line">
-            <a:avLst/>
-          </a:prstGeom>
-        </p:spPr>
-        <p:style>
-          <a:lnRef idx="1">
-            <a:schemeClr val="dk1"/>
-          </a:lnRef>
-          <a:fillRef idx="0">
-            <a:schemeClr val="dk1"/>
-          </a:fillRef>
-          <a:effectRef idx="0">
-            <a:schemeClr val="dk1"/>
-          </a:effectRef>
-          <a:fontRef idx="minor">
-            <a:schemeClr val="tx1"/>
-          </a:fontRef>
-        </p:style>
-      </p:cxnSp>
-      <p:cxnSp>
-        <p:nvCxnSpPr>
-          <p:cNvPr id="22" name="Straight Connector 21">
-            <a:extLst>
-              <a:ext uri="{FF2B5EF4-FFF2-40B4-BE49-F238E27FC236}">
-                <a16:creationId xmlns:a16="http://schemas.microsoft.com/office/drawing/2014/main" id="{835C7DC8-E99E-E94A-8BE5-B086EA956A14}"/>
-              </a:ext>
-            </a:extLst>
-          </p:cNvPr>
-          <p:cNvCxnSpPr/>
-          <p:nvPr/>
-        </p:nvCxnSpPr>
-        <p:spPr>
-          <a:xfrm>
-            <a:off x="3210232" y="1146668"/>
-            <a:ext cx="0" cy="675249"/>
-          </a:xfrm>
-          <a:prstGeom prst="line">
-            <a:avLst/>
-          </a:prstGeom>
+          <a:ln w="9525"/>
         </p:spPr>
         <p:style>
           <a:lnRef idx="1">
@@ -6432,99 +6336,22 @@
               </a:ext>
             </a:extLst>
           </p:cNvPr>
-          <p:cNvCxnSpPr/>
-          <p:nvPr/>
-        </p:nvCxnSpPr>
-        <p:spPr>
-          <a:xfrm flipH="1">
-            <a:off x="2733368" y="1475142"/>
-            <a:ext cx="476864" cy="0"/>
-          </a:xfrm>
-          <a:prstGeom prst="straightConnector1">
-            <a:avLst/>
-          </a:prstGeom>
-          <a:ln>
-            <a:tailEnd type="triangle"/>
-          </a:ln>
-        </p:spPr>
-        <p:style>
-          <a:lnRef idx="1">
-            <a:schemeClr val="dk1"/>
-          </a:lnRef>
-          <a:fillRef idx="0">
-            <a:schemeClr val="dk1"/>
-          </a:fillRef>
-          <a:effectRef idx="0">
-            <a:schemeClr val="dk1"/>
-          </a:effectRef>
-          <a:fontRef idx="minor">
-            <a:schemeClr val="tx1"/>
-          </a:fontRef>
-        </p:style>
-      </p:cxnSp>
-      <p:cxnSp>
-        <p:nvCxnSpPr>
-          <p:cNvPr id="27" name="Elbow Connector 26">
-            <a:extLst>
-              <a:ext uri="{FF2B5EF4-FFF2-40B4-BE49-F238E27FC236}">
-                <a16:creationId xmlns:a16="http://schemas.microsoft.com/office/drawing/2014/main" id="{13EE91C3-53E2-DB49-85D4-63F2AE4F7E09}"/>
-              </a:ext>
-            </a:extLst>
-          </p:cNvPr>
-          <p:cNvCxnSpPr/>
-          <p:nvPr/>
-        </p:nvCxnSpPr>
-        <p:spPr>
-          <a:xfrm rot="16200000" flipH="1">
-            <a:off x="3616758" y="1768293"/>
-            <a:ext cx="288161" cy="127819"/>
-          </a:xfrm>
-          <a:prstGeom prst="bentConnector3">
-            <a:avLst>
-              <a:gd name="adj1" fmla="val -11417"/>
-            </a:avLst>
-          </a:prstGeom>
-          <a:ln>
-            <a:tailEnd type="triangle"/>
-          </a:ln>
-        </p:spPr>
-        <p:style>
-          <a:lnRef idx="1">
-            <a:schemeClr val="dk1"/>
-          </a:lnRef>
-          <a:fillRef idx="0">
-            <a:schemeClr val="dk1"/>
-          </a:fillRef>
-          <a:effectRef idx="0">
-            <a:schemeClr val="dk1"/>
-          </a:effectRef>
-          <a:fontRef idx="minor">
-            <a:schemeClr val="tx1"/>
-          </a:fontRef>
-        </p:style>
-      </p:cxnSp>
-      <p:cxnSp>
-        <p:nvCxnSpPr>
-          <p:cNvPr id="30" name="Straight Connector 29">
-            <a:extLst>
-              <a:ext uri="{FF2B5EF4-FFF2-40B4-BE49-F238E27FC236}">
-                <a16:creationId xmlns:a16="http://schemas.microsoft.com/office/drawing/2014/main" id="{D2F19344-1595-CA44-9CE8-CD2A637B5FDA}"/>
-              </a:ext>
-            </a:extLst>
-          </p:cNvPr>
           <p:cNvCxnSpPr>
             <a:cxnSpLocks/>
           </p:cNvCxnSpPr>
           <p:nvPr/>
         </p:nvCxnSpPr>
         <p:spPr>
-          <a:xfrm>
-            <a:off x="4346917" y="1688121"/>
-            <a:ext cx="970671" cy="0"/>
-          </a:xfrm>
-          <a:prstGeom prst="line">
-            <a:avLst/>
-          </a:prstGeom>
+          <a:xfrm flipH="1">
+            <a:off x="3440545" y="2851136"/>
+            <a:ext cx="373100" cy="6115"/>
+          </a:xfrm>
+          <a:prstGeom prst="straightConnector1">
+            <a:avLst/>
+          </a:prstGeom>
+          <a:ln w="9525">
+            <a:tailEnd type="triangle"/>
+          </a:ln>
         </p:spPr>
         <p:style>
           <a:lnRef idx="1">
@@ -6555,13 +6382,13 @@
         </p:nvCxnSpPr>
         <p:spPr>
           <a:xfrm>
-            <a:off x="4501662" y="1688121"/>
+            <a:off x="5105075" y="3179569"/>
             <a:ext cx="0" cy="288162"/>
           </a:xfrm>
           <a:prstGeom prst="straightConnector1">
             <a:avLst/>
           </a:prstGeom>
-          <a:ln>
+          <a:ln w="9525">
             <a:tailEnd type="triangle"/>
           </a:ln>
         </p:spPr>
@@ -6589,42 +6416,6 @@
               </a:ext>
             </a:extLst>
           </p:cNvPr>
-          <p:cNvCxnSpPr/>
-          <p:nvPr/>
-        </p:nvCxnSpPr>
-        <p:spPr>
-          <a:xfrm>
-            <a:off x="4853354" y="1688121"/>
-            <a:ext cx="0" cy="1241892"/>
-          </a:xfrm>
-          <a:prstGeom prst="line">
-            <a:avLst/>
-          </a:prstGeom>
-        </p:spPr>
-        <p:style>
-          <a:lnRef idx="1">
-            <a:schemeClr val="dk1"/>
-          </a:lnRef>
-          <a:fillRef idx="0">
-            <a:schemeClr val="dk1"/>
-          </a:fillRef>
-          <a:effectRef idx="0">
-            <a:schemeClr val="dk1"/>
-          </a:effectRef>
-          <a:fontRef idx="minor">
-            <a:schemeClr val="tx1"/>
-          </a:fontRef>
-        </p:style>
-      </p:cxnSp>
-      <p:cxnSp>
-        <p:nvCxnSpPr>
-          <p:cNvPr id="36" name="Straight Connector 35">
-            <a:extLst>
-              <a:ext uri="{FF2B5EF4-FFF2-40B4-BE49-F238E27FC236}">
-                <a16:creationId xmlns:a16="http://schemas.microsoft.com/office/drawing/2014/main" id="{074A180B-3942-0845-A4ED-A5E563DA8DCA}"/>
-              </a:ext>
-            </a:extLst>
-          </p:cNvPr>
           <p:cNvCxnSpPr>
             <a:cxnSpLocks/>
           </p:cNvCxnSpPr>
@@ -6632,50 +6423,13 @@
         </p:nvCxnSpPr>
         <p:spPr>
           <a:xfrm>
-            <a:off x="4346917" y="2243643"/>
-            <a:ext cx="970671" cy="0"/>
+            <a:off x="5235094" y="3179569"/>
+            <a:ext cx="0" cy="1037303"/>
           </a:xfrm>
           <a:prstGeom prst="line">
             <a:avLst/>
           </a:prstGeom>
-        </p:spPr>
-        <p:style>
-          <a:lnRef idx="1">
-            <a:schemeClr val="dk1"/>
-          </a:lnRef>
-          <a:fillRef idx="0">
-            <a:schemeClr val="dk1"/>
-          </a:fillRef>
-          <a:effectRef idx="0">
-            <a:schemeClr val="dk1"/>
-          </a:effectRef>
-          <a:fontRef idx="minor">
-            <a:schemeClr val="tx1"/>
-          </a:fontRef>
-        </p:style>
-      </p:cxnSp>
-      <p:cxnSp>
-        <p:nvCxnSpPr>
-          <p:cNvPr id="37" name="Straight Connector 36">
-            <a:extLst>
-              <a:ext uri="{FF2B5EF4-FFF2-40B4-BE49-F238E27FC236}">
-                <a16:creationId xmlns:a16="http://schemas.microsoft.com/office/drawing/2014/main" id="{6B2DA668-4023-DC4F-B3F9-C552C41A095E}"/>
-              </a:ext>
-            </a:extLst>
-          </p:cNvPr>
-          <p:cNvCxnSpPr>
-            <a:cxnSpLocks/>
-          </p:cNvCxnSpPr>
-          <p:nvPr/>
-        </p:nvCxnSpPr>
-        <p:spPr>
-          <a:xfrm>
-            <a:off x="4346917" y="2725424"/>
-            <a:ext cx="970671" cy="0"/>
-          </a:xfrm>
-          <a:prstGeom prst="line">
-            <a:avLst/>
-          </a:prstGeom>
+          <a:ln w="9525"/>
         </p:spPr>
         <p:style>
           <a:lnRef idx="1">
@@ -6706,13 +6460,13 @@
         </p:nvCxnSpPr>
         <p:spPr>
           <a:xfrm>
-            <a:off x="4505066" y="2243643"/>
+            <a:off x="5105075" y="3724920"/>
             <a:ext cx="0" cy="288162"/>
           </a:xfrm>
           <a:prstGeom prst="straightConnector1">
             <a:avLst/>
           </a:prstGeom>
-          <a:ln>
+          <a:ln w="9525">
             <a:tailEnd type="triangle"/>
           </a:ln>
         </p:spPr>
@@ -6745,13 +6499,13 @@
         </p:nvCxnSpPr>
         <p:spPr>
           <a:xfrm>
-            <a:off x="4501662" y="2725424"/>
+            <a:off x="5237078" y="4216872"/>
             <a:ext cx="0" cy="288162"/>
           </a:xfrm>
           <a:prstGeom prst="straightConnector1">
             <a:avLst/>
           </a:prstGeom>
-          <a:ln>
+          <a:ln w="9525">
             <a:tailEnd type="triangle"/>
           </a:ln>
         </p:spPr>
@@ -6772,10 +6526,564 @@
       </p:cxnSp>
       <p:sp>
         <p:nvSpPr>
-          <p:cNvPr id="40" name="Oval 39">
-            <a:extLst>
-              <a:ext uri="{FF2B5EF4-FFF2-40B4-BE49-F238E27FC236}">
-                <a16:creationId xmlns:a16="http://schemas.microsoft.com/office/drawing/2014/main" id="{FC67DA0E-4165-9747-BABE-8C4596E17897}"/>
+          <p:cNvPr id="42" name="TextBox 41">
+            <a:extLst>
+              <a:ext uri="{FF2B5EF4-FFF2-40B4-BE49-F238E27FC236}">
+                <a16:creationId xmlns:a16="http://schemas.microsoft.com/office/drawing/2014/main" id="{1B7198DC-45F6-3247-B5A1-792F47231EEA}"/>
+              </a:ext>
+            </a:extLst>
+          </p:cNvPr>
+          <p:cNvSpPr txBox="1"/>
+          <p:nvPr/>
+        </p:nvSpPr>
+        <p:spPr>
+          <a:xfrm>
+            <a:off x="5413215" y="2511795"/>
+            <a:ext cx="276038" cy="307777"/>
+          </a:xfrm>
+          <a:prstGeom prst="rect">
+            <a:avLst/>
+          </a:prstGeom>
+          <a:noFill/>
+        </p:spPr>
+        <p:txBody>
+          <a:bodyPr wrap="none" rtlCol="0">
+            <a:spAutoFit/>
+          </a:bodyPr>
+          <a:lstStyle/>
+          <a:p>
+            <a:r>
+              <a:rPr lang="en-US" altLang="zh-CN" sz="1400" dirty="0">
+                <a:latin typeface="+mj-lt"/>
+              </a:rPr>
+              <a:t>1</a:t>
+            </a:r>
+            <a:endParaRPr lang="en-US" sz="1400" dirty="0">
+              <a:latin typeface="+mj-lt"/>
+            </a:endParaRPr>
+          </a:p>
+        </p:txBody>
+      </p:sp>
+      <p:sp>
+        <p:nvSpPr>
+          <p:cNvPr id="43" name="TextBox 42">
+            <a:extLst>
+              <a:ext uri="{FF2B5EF4-FFF2-40B4-BE49-F238E27FC236}">
+                <a16:creationId xmlns:a16="http://schemas.microsoft.com/office/drawing/2014/main" id="{3143F046-BC41-4747-8E03-FE5D6BBD1EAF}"/>
+              </a:ext>
+            </a:extLst>
+          </p:cNvPr>
+          <p:cNvSpPr txBox="1"/>
+          <p:nvPr/>
+        </p:nvSpPr>
+        <p:spPr>
+          <a:xfrm>
+            <a:off x="4407169" y="2435021"/>
+            <a:ext cx="276038" cy="307777"/>
+          </a:xfrm>
+          <a:prstGeom prst="rect">
+            <a:avLst/>
+          </a:prstGeom>
+          <a:noFill/>
+        </p:spPr>
+        <p:txBody>
+          <a:bodyPr wrap="none" rtlCol="0">
+            <a:spAutoFit/>
+          </a:bodyPr>
+          <a:lstStyle/>
+          <a:p>
+            <a:r>
+              <a:rPr lang="en-US" altLang="zh-CN" sz="1400" dirty="0">
+                <a:latin typeface="+mj-lt"/>
+              </a:rPr>
+              <a:t>5</a:t>
+            </a:r>
+            <a:endParaRPr lang="en-US" sz="1400" dirty="0">
+              <a:latin typeface="+mj-lt"/>
+            </a:endParaRPr>
+          </a:p>
+        </p:txBody>
+      </p:sp>
+      <p:sp>
+        <p:nvSpPr>
+          <p:cNvPr id="44" name="TextBox 43">
+            <a:extLst>
+              <a:ext uri="{FF2B5EF4-FFF2-40B4-BE49-F238E27FC236}">
+                <a16:creationId xmlns:a16="http://schemas.microsoft.com/office/drawing/2014/main" id="{0F8107F1-E871-1B4C-A0C8-BAB7C0D90C0A}"/>
+              </a:ext>
+            </a:extLst>
+          </p:cNvPr>
+          <p:cNvSpPr txBox="1"/>
+          <p:nvPr/>
+        </p:nvSpPr>
+        <p:spPr>
+          <a:xfrm>
+            <a:off x="5427109" y="3035468"/>
+            <a:ext cx="276038" cy="307777"/>
+          </a:xfrm>
+          <a:prstGeom prst="rect">
+            <a:avLst/>
+          </a:prstGeom>
+          <a:noFill/>
+        </p:spPr>
+        <p:txBody>
+          <a:bodyPr wrap="none" rtlCol="0">
+            <a:spAutoFit/>
+          </a:bodyPr>
+          <a:lstStyle/>
+          <a:p>
+            <a:r>
+              <a:rPr lang="en-US" altLang="zh-CN" sz="1400" dirty="0">
+                <a:latin typeface="+mj-lt"/>
+              </a:rPr>
+              <a:t>2</a:t>
+            </a:r>
+            <a:endParaRPr lang="en-US" sz="1400" dirty="0">
+              <a:latin typeface="+mj-lt"/>
+            </a:endParaRPr>
+          </a:p>
+        </p:txBody>
+      </p:sp>
+      <p:sp>
+        <p:nvSpPr>
+          <p:cNvPr id="45" name="TextBox 44">
+            <a:extLst>
+              <a:ext uri="{FF2B5EF4-FFF2-40B4-BE49-F238E27FC236}">
+                <a16:creationId xmlns:a16="http://schemas.microsoft.com/office/drawing/2014/main" id="{3F1B32C9-ED86-4843-A014-732345158282}"/>
+              </a:ext>
+            </a:extLst>
+          </p:cNvPr>
+          <p:cNvSpPr txBox="1"/>
+          <p:nvPr/>
+        </p:nvSpPr>
+        <p:spPr>
+          <a:xfrm>
+            <a:off x="3861719" y="2435021"/>
+            <a:ext cx="276038" cy="307777"/>
+          </a:xfrm>
+          <a:prstGeom prst="rect">
+            <a:avLst/>
+          </a:prstGeom>
+          <a:noFill/>
+        </p:spPr>
+        <p:txBody>
+          <a:bodyPr wrap="none" rtlCol="0">
+            <a:spAutoFit/>
+          </a:bodyPr>
+          <a:lstStyle/>
+          <a:p>
+            <a:r>
+              <a:rPr lang="en-US" altLang="zh-CN" sz="1400" dirty="0">
+                <a:latin typeface="+mj-lt"/>
+              </a:rPr>
+              <a:t>6</a:t>
+            </a:r>
+            <a:endParaRPr lang="en-US" sz="1400" dirty="0">
+              <a:latin typeface="+mj-lt"/>
+            </a:endParaRPr>
+          </a:p>
+        </p:txBody>
+      </p:sp>
+      <p:sp>
+        <p:nvSpPr>
+          <p:cNvPr id="46" name="TextBox 45">
+            <a:extLst>
+              <a:ext uri="{FF2B5EF4-FFF2-40B4-BE49-F238E27FC236}">
+                <a16:creationId xmlns:a16="http://schemas.microsoft.com/office/drawing/2014/main" id="{AA53C659-F7C9-F549-AC1A-F0922C94ADA3}"/>
+              </a:ext>
+            </a:extLst>
+          </p:cNvPr>
+          <p:cNvSpPr txBox="1"/>
+          <p:nvPr/>
+        </p:nvSpPr>
+        <p:spPr>
+          <a:xfrm>
+            <a:off x="5424407" y="3583355"/>
+            <a:ext cx="276038" cy="307777"/>
+          </a:xfrm>
+          <a:prstGeom prst="rect">
+            <a:avLst/>
+          </a:prstGeom>
+          <a:noFill/>
+        </p:spPr>
+        <p:txBody>
+          <a:bodyPr wrap="none" rtlCol="0">
+            <a:spAutoFit/>
+          </a:bodyPr>
+          <a:lstStyle/>
+          <a:p>
+            <a:r>
+              <a:rPr lang="en-US" altLang="zh-CN" sz="1400" dirty="0">
+                <a:latin typeface="+mj-lt"/>
+              </a:rPr>
+              <a:t>3</a:t>
+            </a:r>
+            <a:endParaRPr lang="en-US" sz="1400" dirty="0">
+              <a:latin typeface="+mj-lt"/>
+            </a:endParaRPr>
+          </a:p>
+        </p:txBody>
+      </p:sp>
+      <p:sp>
+        <p:nvSpPr>
+          <p:cNvPr id="47" name="TextBox 46">
+            <a:extLst>
+              <a:ext uri="{FF2B5EF4-FFF2-40B4-BE49-F238E27FC236}">
+                <a16:creationId xmlns:a16="http://schemas.microsoft.com/office/drawing/2014/main" id="{DB3F4C41-90E4-A54E-8EF0-4F13DBCA5137}"/>
+              </a:ext>
+            </a:extLst>
+          </p:cNvPr>
+          <p:cNvSpPr txBox="1"/>
+          <p:nvPr/>
+        </p:nvSpPr>
+        <p:spPr>
+          <a:xfrm>
+            <a:off x="5413215" y="4067511"/>
+            <a:ext cx="276038" cy="307777"/>
+          </a:xfrm>
+          <a:prstGeom prst="rect">
+            <a:avLst/>
+          </a:prstGeom>
+          <a:noFill/>
+        </p:spPr>
+        <p:txBody>
+          <a:bodyPr wrap="none" rtlCol="0">
+            <a:spAutoFit/>
+          </a:bodyPr>
+          <a:lstStyle/>
+          <a:p>
+            <a:r>
+              <a:rPr lang="en-US" altLang="zh-CN" sz="1400" dirty="0">
+                <a:latin typeface="+mj-lt"/>
+              </a:rPr>
+              <a:t>4</a:t>
+            </a:r>
+            <a:endParaRPr lang="en-US" sz="1400" dirty="0">
+              <a:latin typeface="+mj-lt"/>
+            </a:endParaRPr>
+          </a:p>
+        </p:txBody>
+      </p:sp>
+      <p:cxnSp>
+        <p:nvCxnSpPr>
+          <p:cNvPr id="48" name="Straight Connector 47">
+            <a:extLst>
+              <a:ext uri="{FF2B5EF4-FFF2-40B4-BE49-F238E27FC236}">
+                <a16:creationId xmlns:a16="http://schemas.microsoft.com/office/drawing/2014/main" id="{307C93BE-E4D3-EC4D-A64B-CAC04C4FFDE8}"/>
+              </a:ext>
+            </a:extLst>
+          </p:cNvPr>
+          <p:cNvCxnSpPr>
+            <a:cxnSpLocks/>
+          </p:cNvCxnSpPr>
+          <p:nvPr/>
+        </p:nvCxnSpPr>
+        <p:spPr>
+          <a:xfrm>
+            <a:off x="5007006" y="2054156"/>
+            <a:ext cx="470158" cy="0"/>
+          </a:xfrm>
+          <a:prstGeom prst="line">
+            <a:avLst/>
+          </a:prstGeom>
+          <a:ln w="9525"/>
+        </p:spPr>
+        <p:style>
+          <a:lnRef idx="1">
+            <a:schemeClr val="dk1"/>
+          </a:lnRef>
+          <a:fillRef idx="0">
+            <a:schemeClr val="dk1"/>
+          </a:fillRef>
+          <a:effectRef idx="0">
+            <a:schemeClr val="dk1"/>
+          </a:effectRef>
+          <a:fontRef idx="minor">
+            <a:schemeClr val="tx1"/>
+          </a:fontRef>
+        </p:style>
+      </p:cxnSp>
+      <p:cxnSp>
+        <p:nvCxnSpPr>
+          <p:cNvPr id="49" name="Straight Connector 48">
+            <a:extLst>
+              <a:ext uri="{FF2B5EF4-FFF2-40B4-BE49-F238E27FC236}">
+                <a16:creationId xmlns:a16="http://schemas.microsoft.com/office/drawing/2014/main" id="{9D08441E-6232-F349-97D8-1403EA50AFE5}"/>
+              </a:ext>
+            </a:extLst>
+          </p:cNvPr>
+          <p:cNvCxnSpPr>
+            <a:cxnSpLocks/>
+          </p:cNvCxnSpPr>
+          <p:nvPr/>
+        </p:nvCxnSpPr>
+        <p:spPr>
+          <a:xfrm>
+            <a:off x="5000015" y="2672057"/>
+            <a:ext cx="470158" cy="0"/>
+          </a:xfrm>
+          <a:prstGeom prst="line">
+            <a:avLst/>
+          </a:prstGeom>
+          <a:ln w="9525"/>
+        </p:spPr>
+        <p:style>
+          <a:lnRef idx="1">
+            <a:schemeClr val="dk1"/>
+          </a:lnRef>
+          <a:fillRef idx="0">
+            <a:schemeClr val="dk1"/>
+          </a:fillRef>
+          <a:effectRef idx="0">
+            <a:schemeClr val="dk1"/>
+          </a:effectRef>
+          <a:fontRef idx="minor">
+            <a:schemeClr val="tx1"/>
+          </a:fontRef>
+        </p:style>
+      </p:cxnSp>
+      <p:cxnSp>
+        <p:nvCxnSpPr>
+          <p:cNvPr id="50" name="Straight Connector 49">
+            <a:extLst>
+              <a:ext uri="{FF2B5EF4-FFF2-40B4-BE49-F238E27FC236}">
+                <a16:creationId xmlns:a16="http://schemas.microsoft.com/office/drawing/2014/main" id="{55D33485-840F-5C4E-ACBF-51D69450F618}"/>
+              </a:ext>
+            </a:extLst>
+          </p:cNvPr>
+          <p:cNvCxnSpPr>
+            <a:cxnSpLocks/>
+          </p:cNvCxnSpPr>
+          <p:nvPr/>
+        </p:nvCxnSpPr>
+        <p:spPr>
+          <a:xfrm>
+            <a:off x="5007006" y="3179569"/>
+            <a:ext cx="470158" cy="0"/>
+          </a:xfrm>
+          <a:prstGeom prst="line">
+            <a:avLst/>
+          </a:prstGeom>
+          <a:ln w="9525"/>
+        </p:spPr>
+        <p:style>
+          <a:lnRef idx="1">
+            <a:schemeClr val="dk1"/>
+          </a:lnRef>
+          <a:fillRef idx="0">
+            <a:schemeClr val="dk1"/>
+          </a:fillRef>
+          <a:effectRef idx="0">
+            <a:schemeClr val="dk1"/>
+          </a:effectRef>
+          <a:fontRef idx="minor">
+            <a:schemeClr val="tx1"/>
+          </a:fontRef>
+        </p:style>
+      </p:cxnSp>
+      <p:cxnSp>
+        <p:nvCxnSpPr>
+          <p:cNvPr id="51" name="Straight Connector 50">
+            <a:extLst>
+              <a:ext uri="{FF2B5EF4-FFF2-40B4-BE49-F238E27FC236}">
+                <a16:creationId xmlns:a16="http://schemas.microsoft.com/office/drawing/2014/main" id="{26BC398E-781B-E34C-ABB6-7EACDBDB6D33}"/>
+              </a:ext>
+            </a:extLst>
+          </p:cNvPr>
+          <p:cNvCxnSpPr>
+            <a:cxnSpLocks/>
+          </p:cNvCxnSpPr>
+          <p:nvPr/>
+        </p:nvCxnSpPr>
+        <p:spPr>
+          <a:xfrm>
+            <a:off x="5007006" y="3724920"/>
+            <a:ext cx="470158" cy="0"/>
+          </a:xfrm>
+          <a:prstGeom prst="line">
+            <a:avLst/>
+          </a:prstGeom>
+          <a:ln w="9525"/>
+        </p:spPr>
+        <p:style>
+          <a:lnRef idx="1">
+            <a:schemeClr val="dk1"/>
+          </a:lnRef>
+          <a:fillRef idx="0">
+            <a:schemeClr val="dk1"/>
+          </a:fillRef>
+          <a:effectRef idx="0">
+            <a:schemeClr val="dk1"/>
+          </a:effectRef>
+          <a:fontRef idx="minor">
+            <a:schemeClr val="tx1"/>
+          </a:fontRef>
+        </p:style>
+      </p:cxnSp>
+      <p:cxnSp>
+        <p:nvCxnSpPr>
+          <p:cNvPr id="52" name="Straight Connector 51">
+            <a:extLst>
+              <a:ext uri="{FF2B5EF4-FFF2-40B4-BE49-F238E27FC236}">
+                <a16:creationId xmlns:a16="http://schemas.microsoft.com/office/drawing/2014/main" id="{D1AE6010-D8AF-954B-88F0-B502D06DC287}"/>
+              </a:ext>
+            </a:extLst>
+          </p:cNvPr>
+          <p:cNvCxnSpPr>
+            <a:cxnSpLocks/>
+          </p:cNvCxnSpPr>
+          <p:nvPr/>
+        </p:nvCxnSpPr>
+        <p:spPr>
+          <a:xfrm>
+            <a:off x="5007006" y="4216872"/>
+            <a:ext cx="470158" cy="0"/>
+          </a:xfrm>
+          <a:prstGeom prst="line">
+            <a:avLst/>
+          </a:prstGeom>
+          <a:ln w="9525"/>
+        </p:spPr>
+        <p:style>
+          <a:lnRef idx="1">
+            <a:schemeClr val="dk1"/>
+          </a:lnRef>
+          <a:fillRef idx="0">
+            <a:schemeClr val="dk1"/>
+          </a:fillRef>
+          <a:effectRef idx="0">
+            <a:schemeClr val="dk1"/>
+          </a:effectRef>
+          <a:fontRef idx="minor">
+            <a:schemeClr val="tx1"/>
+          </a:fontRef>
+        </p:style>
+      </p:cxnSp>
+      <p:cxnSp>
+        <p:nvCxnSpPr>
+          <p:cNvPr id="54" name="Straight Connector 53">
+            <a:extLst>
+              <a:ext uri="{FF2B5EF4-FFF2-40B4-BE49-F238E27FC236}">
+                <a16:creationId xmlns:a16="http://schemas.microsoft.com/office/drawing/2014/main" id="{C41EB997-B2F7-374E-910A-C648A1B2DDF4}"/>
+              </a:ext>
+            </a:extLst>
+          </p:cNvPr>
+          <p:cNvCxnSpPr>
+            <a:cxnSpLocks/>
+          </p:cNvCxnSpPr>
+          <p:nvPr/>
+        </p:nvCxnSpPr>
+        <p:spPr>
+          <a:xfrm>
+            <a:off x="4545188" y="2672057"/>
+            <a:ext cx="0" cy="370389"/>
+          </a:xfrm>
+          <a:prstGeom prst="line">
+            <a:avLst/>
+          </a:prstGeom>
+          <a:ln w="9525"/>
+        </p:spPr>
+        <p:style>
+          <a:lnRef idx="1">
+            <a:schemeClr val="dk1"/>
+          </a:lnRef>
+          <a:fillRef idx="0">
+            <a:schemeClr val="dk1"/>
+          </a:fillRef>
+          <a:effectRef idx="0">
+            <a:schemeClr val="dk1"/>
+          </a:effectRef>
+          <a:fontRef idx="minor">
+            <a:schemeClr val="tx1"/>
+          </a:fontRef>
+        </p:style>
+      </p:cxnSp>
+      <p:cxnSp>
+        <p:nvCxnSpPr>
+          <p:cNvPr id="55" name="Straight Connector 54">
+            <a:extLst>
+              <a:ext uri="{FF2B5EF4-FFF2-40B4-BE49-F238E27FC236}">
+                <a16:creationId xmlns:a16="http://schemas.microsoft.com/office/drawing/2014/main" id="{8D29FD3B-F2AD-D643-AEE1-85AAB561C990}"/>
+              </a:ext>
+            </a:extLst>
+          </p:cNvPr>
+          <p:cNvCxnSpPr>
+            <a:cxnSpLocks/>
+          </p:cNvCxnSpPr>
+          <p:nvPr/>
+        </p:nvCxnSpPr>
+        <p:spPr>
+          <a:xfrm>
+            <a:off x="4014097" y="2672057"/>
+            <a:ext cx="0" cy="370389"/>
+          </a:xfrm>
+          <a:prstGeom prst="line">
+            <a:avLst/>
+          </a:prstGeom>
+          <a:ln w="9525"/>
+        </p:spPr>
+        <p:style>
+          <a:lnRef idx="1">
+            <a:schemeClr val="dk1"/>
+          </a:lnRef>
+          <a:fillRef idx="0">
+            <a:schemeClr val="dk1"/>
+          </a:fillRef>
+          <a:effectRef idx="0">
+            <a:schemeClr val="dk1"/>
+          </a:effectRef>
+          <a:fontRef idx="minor">
+            <a:schemeClr val="tx1"/>
+          </a:fontRef>
+        </p:style>
+      </p:cxnSp>
+      <p:cxnSp>
+        <p:nvCxnSpPr>
+          <p:cNvPr id="56" name="Straight Arrow Connector 55">
+            <a:extLst>
+              <a:ext uri="{FF2B5EF4-FFF2-40B4-BE49-F238E27FC236}">
+                <a16:creationId xmlns:a16="http://schemas.microsoft.com/office/drawing/2014/main" id="{E1D7E087-070A-C44F-A662-04433FB7BC67}"/>
+              </a:ext>
+            </a:extLst>
+          </p:cNvPr>
+          <p:cNvCxnSpPr>
+            <a:cxnSpLocks/>
+          </p:cNvCxnSpPr>
+          <p:nvPr/>
+        </p:nvCxnSpPr>
+        <p:spPr>
+          <a:xfrm flipH="1">
+            <a:off x="4232743" y="2761596"/>
+            <a:ext cx="308034" cy="0"/>
+          </a:xfrm>
+          <a:prstGeom prst="straightConnector1">
+            <a:avLst/>
+          </a:prstGeom>
+          <a:ln w="9525">
+            <a:tailEnd type="triangle"/>
+          </a:ln>
+        </p:spPr>
+        <p:style>
+          <a:lnRef idx="1">
+            <a:schemeClr val="dk1"/>
+          </a:lnRef>
+          <a:fillRef idx="0">
+            <a:schemeClr val="dk1"/>
+          </a:fillRef>
+          <a:effectRef idx="0">
+            <a:schemeClr val="dk1"/>
+          </a:effectRef>
+          <a:fontRef idx="minor">
+            <a:schemeClr val="tx1"/>
+          </a:fontRef>
+        </p:style>
+      </p:cxnSp>
+      <p:sp>
+        <p:nvSpPr>
+          <p:cNvPr id="29" name="Oval 28">
+            <a:extLst>
+              <a:ext uri="{FF2B5EF4-FFF2-40B4-BE49-F238E27FC236}">
+                <a16:creationId xmlns:a16="http://schemas.microsoft.com/office/drawing/2014/main" id="{F4655253-B820-BB4C-898C-1B3D10C3F626}"/>
               </a:ext>
             </a:extLst>
           </p:cNvPr>
@@ -6784,16 +7092,14 @@
         </p:nvSpPr>
         <p:spPr>
           <a:xfrm>
-            <a:off x="4705870" y="2907320"/>
-            <a:ext cx="294968" cy="290053"/>
+            <a:off x="5149536" y="2243666"/>
+            <a:ext cx="170872" cy="171396"/>
           </a:xfrm>
           <a:prstGeom prst="ellipse">
             <a:avLst/>
           </a:prstGeom>
-          <a:solidFill>
-            <a:schemeClr val="bg1"/>
-          </a:solidFill>
-          <a:ln>
+          <a:noFill/>
+          <a:ln w="9525">
             <a:solidFill>
               <a:schemeClr val="tx1"/>
             </a:solidFill>
@@ -6820,258 +7126,58 @@
           <a:lstStyle/>
           <a:p>
             <a:pPr algn="ctr"/>
-            <a:endParaRPr lang="en-US"/>
-          </a:p>
-        </p:txBody>
-      </p:sp>
-      <p:sp>
-        <p:nvSpPr>
-          <p:cNvPr id="41" name="TextBox 40">
-            <a:extLst>
-              <a:ext uri="{FF2B5EF4-FFF2-40B4-BE49-F238E27FC236}">
-                <a16:creationId xmlns:a16="http://schemas.microsoft.com/office/drawing/2014/main" id="{B4D01259-105F-C640-BA31-789DAB63B56B}"/>
-              </a:ext>
-            </a:extLst>
-          </p:cNvPr>
-          <p:cNvSpPr txBox="1"/>
+            <a:endParaRPr lang="en-US" dirty="0"/>
+          </a:p>
+        </p:txBody>
+      </p:sp>
+      <p:sp>
+        <p:nvSpPr>
+          <p:cNvPr id="58" name="Oval 57">
+            <a:extLst>
+              <a:ext uri="{FF2B5EF4-FFF2-40B4-BE49-F238E27FC236}">
+                <a16:creationId xmlns:a16="http://schemas.microsoft.com/office/drawing/2014/main" id="{371D0E9C-7EC9-314B-93DA-3726005DC98C}"/>
+              </a:ext>
+            </a:extLst>
+          </p:cNvPr>
+          <p:cNvSpPr/>
           <p:nvPr/>
         </p:nvSpPr>
         <p:spPr>
           <a:xfrm>
-            <a:off x="4648811" y="2899428"/>
-            <a:ext cx="409086" cy="307777"/>
-          </a:xfrm>
-          <a:prstGeom prst="rect">
+            <a:off x="5147553" y="2350571"/>
+            <a:ext cx="170872" cy="171396"/>
+          </a:xfrm>
+          <a:prstGeom prst="ellipse">
             <a:avLst/>
           </a:prstGeom>
           <a:noFill/>
-        </p:spPr>
-        <p:txBody>
-          <a:bodyPr wrap="none" rtlCol="0">
-            <a:spAutoFit/>
-          </a:bodyPr>
-          <a:lstStyle/>
-          <a:p>
-            <a:r>
-              <a:rPr lang="en-US" altLang="zh-CN" sz="1400" dirty="0"/>
-              <a:t>DG</a:t>
-            </a:r>
-            <a:endParaRPr lang="en-US" sz="1400" dirty="0"/>
-          </a:p>
-        </p:txBody>
-      </p:sp>
-      <p:sp>
-        <p:nvSpPr>
-          <p:cNvPr id="42" name="TextBox 41">
-            <a:extLst>
-              <a:ext uri="{FF2B5EF4-FFF2-40B4-BE49-F238E27FC236}">
-                <a16:creationId xmlns:a16="http://schemas.microsoft.com/office/drawing/2014/main" id="{1B7198DC-45F6-3247-B5A1-792F47231EEA}"/>
-              </a:ext>
-            </a:extLst>
-          </p:cNvPr>
-          <p:cNvSpPr txBox="1"/>
-          <p:nvPr/>
-        </p:nvSpPr>
-        <p:spPr>
-          <a:xfrm>
-            <a:off x="5276898" y="954817"/>
-            <a:ext cx="301686" cy="369332"/>
-          </a:xfrm>
-          <a:prstGeom prst="rect">
-            <a:avLst/>
-          </a:prstGeom>
-          <a:noFill/>
-        </p:spPr>
-        <p:txBody>
-          <a:bodyPr wrap="none" rtlCol="0">
-            <a:spAutoFit/>
-          </a:bodyPr>
-          <a:lstStyle/>
-          <a:p>
-            <a:r>
-              <a:rPr lang="en-US" altLang="zh-CN" dirty="0"/>
-              <a:t>1</a:t>
-            </a:r>
-            <a:endParaRPr lang="en-US" dirty="0"/>
-          </a:p>
-        </p:txBody>
-      </p:sp>
-      <p:sp>
-        <p:nvSpPr>
-          <p:cNvPr id="43" name="TextBox 42">
-            <a:extLst>
-              <a:ext uri="{FF2B5EF4-FFF2-40B4-BE49-F238E27FC236}">
-                <a16:creationId xmlns:a16="http://schemas.microsoft.com/office/drawing/2014/main" id="{3143F046-BC41-4747-8E03-FE5D6BBD1EAF}"/>
-              </a:ext>
-            </a:extLst>
-          </p:cNvPr>
-          <p:cNvSpPr txBox="1"/>
-          <p:nvPr/>
-        </p:nvSpPr>
-        <p:spPr>
-          <a:xfrm>
-            <a:off x="3673905" y="943702"/>
-            <a:ext cx="301686" cy="369332"/>
-          </a:xfrm>
-          <a:prstGeom prst="rect">
-            <a:avLst/>
-          </a:prstGeom>
-          <a:noFill/>
-        </p:spPr>
-        <p:txBody>
-          <a:bodyPr wrap="none" rtlCol="0">
-            <a:spAutoFit/>
-          </a:bodyPr>
-          <a:lstStyle/>
-          <a:p>
-            <a:r>
-              <a:rPr lang="en-US" altLang="zh-CN" dirty="0"/>
-              <a:t>2</a:t>
-            </a:r>
-            <a:endParaRPr lang="en-US" dirty="0"/>
-          </a:p>
-        </p:txBody>
-      </p:sp>
-      <p:sp>
-        <p:nvSpPr>
-          <p:cNvPr id="44" name="TextBox 43">
-            <a:extLst>
-              <a:ext uri="{FF2B5EF4-FFF2-40B4-BE49-F238E27FC236}">
-                <a16:creationId xmlns:a16="http://schemas.microsoft.com/office/drawing/2014/main" id="{0F8107F1-E871-1B4C-A0C8-BAB7C0D90C0A}"/>
-              </a:ext>
-            </a:extLst>
-          </p:cNvPr>
-          <p:cNvSpPr txBox="1"/>
-          <p:nvPr/>
-        </p:nvSpPr>
-        <p:spPr>
-          <a:xfrm>
-            <a:off x="5276898" y="1524406"/>
-            <a:ext cx="301686" cy="369332"/>
-          </a:xfrm>
-          <a:prstGeom prst="rect">
-            <a:avLst/>
-          </a:prstGeom>
-          <a:noFill/>
-        </p:spPr>
-        <p:txBody>
-          <a:bodyPr wrap="none" rtlCol="0">
-            <a:spAutoFit/>
-          </a:bodyPr>
-          <a:lstStyle/>
-          <a:p>
-            <a:r>
-              <a:rPr lang="en-US" altLang="zh-CN" dirty="0"/>
-              <a:t>3</a:t>
-            </a:r>
-            <a:endParaRPr lang="en-US" dirty="0"/>
-          </a:p>
-        </p:txBody>
-      </p:sp>
-      <p:sp>
-        <p:nvSpPr>
-          <p:cNvPr id="45" name="TextBox 44">
-            <a:extLst>
-              <a:ext uri="{FF2B5EF4-FFF2-40B4-BE49-F238E27FC236}">
-                <a16:creationId xmlns:a16="http://schemas.microsoft.com/office/drawing/2014/main" id="{3F1B32C9-ED86-4843-A014-732345158282}"/>
-              </a:ext>
-            </a:extLst>
-          </p:cNvPr>
-          <p:cNvSpPr txBox="1"/>
-          <p:nvPr/>
-        </p:nvSpPr>
-        <p:spPr>
-          <a:xfrm>
-            <a:off x="3171371" y="943702"/>
-            <a:ext cx="301686" cy="369332"/>
-          </a:xfrm>
-          <a:prstGeom prst="rect">
-            <a:avLst/>
-          </a:prstGeom>
-          <a:noFill/>
-        </p:spPr>
-        <p:txBody>
-          <a:bodyPr wrap="none" rtlCol="0">
-            <a:spAutoFit/>
-          </a:bodyPr>
-          <a:lstStyle/>
-          <a:p>
-            <a:r>
-              <a:rPr lang="en-US" altLang="zh-CN" dirty="0"/>
-              <a:t>4</a:t>
-            </a:r>
-            <a:endParaRPr lang="en-US" dirty="0"/>
-          </a:p>
-        </p:txBody>
-      </p:sp>
-      <p:sp>
-        <p:nvSpPr>
-          <p:cNvPr id="46" name="TextBox 45">
-            <a:extLst>
-              <a:ext uri="{FF2B5EF4-FFF2-40B4-BE49-F238E27FC236}">
-                <a16:creationId xmlns:a16="http://schemas.microsoft.com/office/drawing/2014/main" id="{AA53C659-F7C9-F549-AC1A-F0922C94ADA3}"/>
-              </a:ext>
-            </a:extLst>
-          </p:cNvPr>
-          <p:cNvSpPr txBox="1"/>
-          <p:nvPr/>
-        </p:nvSpPr>
-        <p:spPr>
-          <a:xfrm>
-            <a:off x="5282207" y="2102314"/>
-            <a:ext cx="301686" cy="369332"/>
-          </a:xfrm>
-          <a:prstGeom prst="rect">
-            <a:avLst/>
-          </a:prstGeom>
-          <a:noFill/>
-        </p:spPr>
-        <p:txBody>
-          <a:bodyPr wrap="none" rtlCol="0">
-            <a:spAutoFit/>
-          </a:bodyPr>
-          <a:lstStyle/>
-          <a:p>
-            <a:r>
-              <a:rPr lang="en-US" altLang="zh-CN" dirty="0"/>
-              <a:t>5</a:t>
-            </a:r>
-            <a:endParaRPr lang="en-US" dirty="0"/>
-          </a:p>
-        </p:txBody>
-      </p:sp>
-      <p:sp>
-        <p:nvSpPr>
-          <p:cNvPr id="47" name="TextBox 46">
-            <a:extLst>
-              <a:ext uri="{FF2B5EF4-FFF2-40B4-BE49-F238E27FC236}">
-                <a16:creationId xmlns:a16="http://schemas.microsoft.com/office/drawing/2014/main" id="{DB3F4C41-90E4-A54E-8EF0-4F13DBCA5137}"/>
-              </a:ext>
-            </a:extLst>
-          </p:cNvPr>
-          <p:cNvSpPr txBox="1"/>
-          <p:nvPr/>
-        </p:nvSpPr>
-        <p:spPr>
-          <a:xfrm>
-            <a:off x="5276898" y="2550849"/>
-            <a:ext cx="301686" cy="369332"/>
-          </a:xfrm>
-          <a:prstGeom prst="rect">
-            <a:avLst/>
-          </a:prstGeom>
-          <a:noFill/>
-        </p:spPr>
-        <p:txBody>
-          <a:bodyPr wrap="none" rtlCol="0">
-            <a:spAutoFit/>
-          </a:bodyPr>
-          <a:lstStyle/>
-          <a:p>
-            <a:r>
-              <a:rPr lang="en-US" altLang="zh-CN" dirty="0"/>
-              <a:t>6</a:t>
-            </a:r>
+          <a:ln w="9525">
+            <a:solidFill>
+              <a:schemeClr val="tx1"/>
+            </a:solidFill>
+          </a:ln>
+        </p:spPr>
+        <p:style>
+          <a:lnRef idx="2">
+            <a:schemeClr val="accent1">
+              <a:shade val="50000"/>
+            </a:schemeClr>
+          </a:lnRef>
+          <a:fillRef idx="1">
+            <a:schemeClr val="accent1"/>
+          </a:fillRef>
+          <a:effectRef idx="0">
+            <a:schemeClr val="accent1"/>
+          </a:effectRef>
+          <a:fontRef idx="minor">
+            <a:schemeClr val="lt1"/>
+          </a:fontRef>
+        </p:style>
+        <p:txBody>
+          <a:bodyPr rtlCol="0" anchor="ctr"/>
+          <a:lstStyle/>
+          <a:p>
+            <a:pPr algn="ctr"/>
             <a:endParaRPr lang="en-US" dirty="0"/>
           </a:p>
         </p:txBody>
@@ -7361,7 +7467,7 @@
         <p:spPr>
           <a:xfrm>
             <a:off x="3195365" y="3087772"/>
-            <a:ext cx="1074077" cy="646331"/>
+            <a:ext cx="955711" cy="646331"/>
           </a:xfrm>
           <a:prstGeom prst="rect">
             <a:avLst/>
@@ -7376,20 +7482,21 @@
           <a:p>
             <a:r>
               <a:rPr lang="en-US" sz="1200" dirty="0"/>
-              <a:t>DS DR, </a:t>
+              <a:t>DS DR and </a:t>
             </a:r>
           </a:p>
           <a:p>
             <a:r>
               <a:rPr lang="en-US" sz="1200" dirty="0"/>
-              <a:t>import/export</a:t>
-            </a:r>
-          </a:p>
-          <a:p>
-            <a:r>
-              <a:rPr lang="en-US" sz="1200" dirty="0"/>
-              <a:t>price</a:t>
-            </a:r>
+              <a:t>energy </a:t>
+            </a:r>
+          </a:p>
+          <a:p>
+            <a:r>
+              <a:rPr lang="en-US" sz="1200"/>
+              <a:t>Import price</a:t>
+            </a:r>
+            <a:endParaRPr lang="en-US" sz="1200" dirty="0"/>
           </a:p>
         </p:txBody>
       </p:sp>
